--- a/Mockup-UI.pptx
+++ b/Mockup-UI.pptx
@@ -143,6 +143,9 @@
     <p:ext uri="{EFAFB233-063F-42B5-8137-9DF3F51BA10A}">
       <p15:sldGuideLst xmlns:p15="http://schemas.microsoft.com/office/powerpoint/2012/main"/>
     </p:ext>
+    <p:ext uri="{2D200454-40CA-4A62-9FC3-DE9A4176ACB9}">
+      <p15:notesGuideLst xmlns:p15="http://schemas.microsoft.com/office/powerpoint/2012/main"/>
+    </p:ext>
   </p:extLst>
 </p:presentation>
 </file>
@@ -228,7 +231,7 @@
           </a:lstStyle>
           <a:p>
             <a:fld id="{FD86CB28-1209-E145-AA7C-D08A338630E8}" type="datetimeFigureOut">
-              <a:t>6/10/20</a:t>
+              <a:t>6/21/20</a:t>
             </a:fld>
             <a:endParaRPr lang="en-US"/>
           </a:p>
@@ -1221,7 +1224,7 @@
           <a:lstStyle/>
           <a:p>
             <a:fld id="{05CA4658-5726-6848-ADE4-80ACD742C3E2}" type="datetimeFigureOut">
-              <a:t>6/10/20</a:t>
+              <a:t>6/21/20</a:t>
             </a:fld>
             <a:endParaRPr lang="en-US"/>
           </a:p>
@@ -1417,7 +1420,7 @@
           <a:lstStyle/>
           <a:p>
             <a:fld id="{05CA4658-5726-6848-ADE4-80ACD742C3E2}" type="datetimeFigureOut">
-              <a:t>6/10/20</a:t>
+              <a:t>6/21/20</a:t>
             </a:fld>
             <a:endParaRPr lang="en-US"/>
           </a:p>
@@ -1623,7 +1626,7 @@
           <a:lstStyle/>
           <a:p>
             <a:fld id="{05CA4658-5726-6848-ADE4-80ACD742C3E2}" type="datetimeFigureOut">
-              <a:t>6/10/20</a:t>
+              <a:t>6/21/20</a:t>
             </a:fld>
             <a:endParaRPr lang="en-US"/>
           </a:p>
@@ -1819,7 +1822,7 @@
           <a:lstStyle/>
           <a:p>
             <a:fld id="{05CA4658-5726-6848-ADE4-80ACD742C3E2}" type="datetimeFigureOut">
-              <a:t>6/10/20</a:t>
+              <a:t>6/21/20</a:t>
             </a:fld>
             <a:endParaRPr lang="en-US"/>
           </a:p>
@@ -2092,7 +2095,7 @@
           <a:lstStyle/>
           <a:p>
             <a:fld id="{05CA4658-5726-6848-ADE4-80ACD742C3E2}" type="datetimeFigureOut">
-              <a:t>6/10/20</a:t>
+              <a:t>6/21/20</a:t>
             </a:fld>
             <a:endParaRPr lang="en-US"/>
           </a:p>
@@ -2355,7 +2358,7 @@
           <a:lstStyle/>
           <a:p>
             <a:fld id="{05CA4658-5726-6848-ADE4-80ACD742C3E2}" type="datetimeFigureOut">
-              <a:t>6/10/20</a:t>
+              <a:t>6/21/20</a:t>
             </a:fld>
             <a:endParaRPr lang="en-US"/>
           </a:p>
@@ -2765,7 +2768,7 @@
           <a:lstStyle/>
           <a:p>
             <a:fld id="{05CA4658-5726-6848-ADE4-80ACD742C3E2}" type="datetimeFigureOut">
-              <a:t>6/10/20</a:t>
+              <a:t>6/21/20</a:t>
             </a:fld>
             <a:endParaRPr lang="en-US"/>
           </a:p>
@@ -2904,7 +2907,7 @@
           <a:lstStyle/>
           <a:p>
             <a:fld id="{05CA4658-5726-6848-ADE4-80ACD742C3E2}" type="datetimeFigureOut">
-              <a:t>6/10/20</a:t>
+              <a:t>6/21/20</a:t>
             </a:fld>
             <a:endParaRPr lang="en-US"/>
           </a:p>
@@ -3015,7 +3018,7 @@
           <a:lstStyle/>
           <a:p>
             <a:fld id="{05CA4658-5726-6848-ADE4-80ACD742C3E2}" type="datetimeFigureOut">
-              <a:t>6/10/20</a:t>
+              <a:t>6/21/20</a:t>
             </a:fld>
             <a:endParaRPr lang="en-US"/>
           </a:p>
@@ -3324,7 +3327,7 @@
           <a:lstStyle/>
           <a:p>
             <a:fld id="{05CA4658-5726-6848-ADE4-80ACD742C3E2}" type="datetimeFigureOut">
-              <a:t>6/10/20</a:t>
+              <a:t>6/21/20</a:t>
             </a:fld>
             <a:endParaRPr lang="en-US"/>
           </a:p>
@@ -3610,7 +3613,7 @@
           <a:lstStyle/>
           <a:p>
             <a:fld id="{05CA4658-5726-6848-ADE4-80ACD742C3E2}" type="datetimeFigureOut">
-              <a:t>6/10/20</a:t>
+              <a:t>6/21/20</a:t>
             </a:fld>
             <a:endParaRPr lang="en-US"/>
           </a:p>
@@ -3849,7 +3852,7 @@
           </a:lstStyle>
           <a:p>
             <a:fld id="{05CA4658-5726-6848-ADE4-80ACD742C3E2}" type="datetimeFigureOut">
-              <a:t>6/10/20</a:t>
+              <a:t>6/21/20</a:t>
             </a:fld>
             <a:endParaRPr lang="en-US"/>
           </a:p>
@@ -23116,7 +23119,7 @@
           <a:p>
             <a:r>
               <a:rPr lang="en-US" sz="2400" b="1"/>
-              <a:t>Vietflix</a:t>
+              <a:t>FilmO</a:t>
             </a:r>
           </a:p>
         </p:txBody>
@@ -26444,7 +26447,7 @@
           <a:p>
             <a:r>
               <a:rPr lang="en-US" sz="1300" b="1"/>
-              <a:t>Hệ Thống Quản Trị Vietflix</a:t>
+              <a:t>Hệ Thống Quản Trị FilmO</a:t>
             </a:r>
           </a:p>
         </p:txBody>
@@ -27246,7 +27249,7 @@
           <a:p>
             <a:r>
               <a:rPr lang="en-US" sz="1300" b="1"/>
-              <a:t>Hệ Thống Quản Trị Vietflix</a:t>
+              <a:t>Hệ Thống Quản Trị FilmO</a:t>
             </a:r>
           </a:p>
         </p:txBody>
@@ -28423,7 +28426,7 @@
           <a:p>
             <a:r>
               <a:rPr lang="en-US" sz="1300" b="1"/>
-              <a:t>Hệ Thống Quản Trị Vietflix</a:t>
+              <a:t>Hệ Thống Quản Trị FilmO</a:t>
             </a:r>
           </a:p>
         </p:txBody>
@@ -29670,7 +29673,7 @@
           <a:p>
             <a:r>
               <a:rPr lang="en-US" sz="1300" b="1"/>
-              <a:t>Hệ Thống Quản Trị Vietflix</a:t>
+              <a:t>Hệ Thống Quản Trị FilmO</a:t>
             </a:r>
           </a:p>
         </p:txBody>
